--- a/Clase2.pptx
+++ b/Clase2.pptx
@@ -148,10 +148,33 @@
   <pc:docChgLst>
     <pc:chgData name="David Murillo Bustillo" userId="4e882b15-32f9-421e-9f7b-aa4f1e77c46c" providerId="ADAL" clId="{5D761122-86FB-41E4-B2A8-44EFB24400FD}"/>
     <pc:docChg chg="custSel addSld modSld">
-      <pc:chgData name="David Murillo Bustillo" userId="4e882b15-32f9-421e-9f7b-aa4f1e77c46c" providerId="ADAL" clId="{5D761122-86FB-41E4-B2A8-44EFB24400FD}" dt="2024-01-23T06:35:36.329" v="86" actId="20577"/>
+      <pc:chgData name="David Murillo Bustillo" userId="4e882b15-32f9-421e-9f7b-aa4f1e77c46c" providerId="ADAL" clId="{5D761122-86FB-41E4-B2A8-44EFB24400FD}" dt="2024-01-23T13:50:07.596" v="135" actId="20577"/>
       <pc:docMkLst>
         <pc:docMk/>
       </pc:docMkLst>
+      <pc:sldChg chg="modSp mod">
+        <pc:chgData name="David Murillo Bustillo" userId="4e882b15-32f9-421e-9f7b-aa4f1e77c46c" providerId="ADAL" clId="{5D761122-86FB-41E4-B2A8-44EFB24400FD}" dt="2024-01-23T13:50:07.596" v="135" actId="20577"/>
+        <pc:sldMkLst>
+          <pc:docMk/>
+          <pc:sldMk cId="0" sldId="256"/>
+        </pc:sldMkLst>
+        <pc:spChg chg="mod">
+          <ac:chgData name="David Murillo Bustillo" userId="4e882b15-32f9-421e-9f7b-aa4f1e77c46c" providerId="ADAL" clId="{5D761122-86FB-41E4-B2A8-44EFB24400FD}" dt="2024-01-23T13:50:07.596" v="135" actId="20577"/>
+          <ac:spMkLst>
+            <pc:docMk/>
+            <pc:sldMk cId="0" sldId="256"/>
+            <ac:spMk id="2" creationId="{00000000-0000-0000-0000-000000000000}"/>
+          </ac:spMkLst>
+        </pc:spChg>
+        <pc:spChg chg="mod">
+          <ac:chgData name="David Murillo Bustillo" userId="4e882b15-32f9-421e-9f7b-aa4f1e77c46c" providerId="ADAL" clId="{5D761122-86FB-41E4-B2A8-44EFB24400FD}" dt="2024-01-23T13:25:57.849" v="112" actId="27636"/>
+          <ac:spMkLst>
+            <pc:docMk/>
+            <pc:sldMk cId="0" sldId="256"/>
+            <ac:spMk id="3" creationId="{00000000-0000-0000-0000-000000000000}"/>
+          </ac:spMkLst>
+        </pc:spChg>
+      </pc:sldChg>
       <pc:sldChg chg="addSp modSp mod">
         <pc:chgData name="David Murillo Bustillo" userId="4e882b15-32f9-421e-9f7b-aa4f1e77c46c" providerId="ADAL" clId="{5D761122-86FB-41E4-B2A8-44EFB24400FD}" dt="2024-01-23T06:27:39.557" v="14" actId="1076"/>
         <pc:sldMkLst>
@@ -353,14 +376,14 @@
           </ac:spMkLst>
         </pc:spChg>
       </pc:sldChg>
-      <pc:sldChg chg="modSp add mod">
-        <pc:chgData name="David Murillo Bustillo" userId="4e882b15-32f9-421e-9f7b-aa4f1e77c46c" providerId="ADAL" clId="{5D761122-86FB-41E4-B2A8-44EFB24400FD}" dt="2024-01-23T06:35:36.329" v="86" actId="20577"/>
+      <pc:sldChg chg="addSp modSp add mod">
+        <pc:chgData name="David Murillo Bustillo" userId="4e882b15-32f9-421e-9f7b-aa4f1e77c46c" providerId="ADAL" clId="{5D761122-86FB-41E4-B2A8-44EFB24400FD}" dt="2024-01-23T13:41:54.180" v="130" actId="1076"/>
         <pc:sldMkLst>
           <pc:docMk/>
           <pc:sldMk cId="3315384129" sldId="268"/>
         </pc:sldMkLst>
         <pc:spChg chg="mod">
-          <ac:chgData name="David Murillo Bustillo" userId="4e882b15-32f9-421e-9f7b-aa4f1e77c46c" providerId="ADAL" clId="{5D761122-86FB-41E4-B2A8-44EFB24400FD}" dt="2024-01-23T06:35:36.329" v="86" actId="20577"/>
+          <ac:chgData name="David Murillo Bustillo" userId="4e882b15-32f9-421e-9f7b-aa4f1e77c46c" providerId="ADAL" clId="{5D761122-86FB-41E4-B2A8-44EFB24400FD}" dt="2024-01-23T13:41:51.690" v="129" actId="20577"/>
           <ac:spMkLst>
             <pc:docMk/>
             <pc:sldMk cId="3315384129" sldId="268"/>
@@ -375,6 +398,14 @@
             <ac:spMk id="3" creationId="{00000000-0000-0000-0000-000000000000}"/>
           </ac:spMkLst>
         </pc:spChg>
+        <pc:picChg chg="add mod">
+          <ac:chgData name="David Murillo Bustillo" userId="4e882b15-32f9-421e-9f7b-aa4f1e77c46c" providerId="ADAL" clId="{5D761122-86FB-41E4-B2A8-44EFB24400FD}" dt="2024-01-23T13:41:54.180" v="130" actId="1076"/>
+          <ac:picMkLst>
+            <pc:docMk/>
+            <pc:sldMk cId="3315384129" sldId="268"/>
+            <ac:picMk id="5" creationId="{2238F015-7209-6B48-C5F7-CFDC19CC34C5}"/>
+          </ac:picMkLst>
+        </pc:picChg>
       </pc:sldChg>
     </pc:docChg>
   </pc:docChgLst>
@@ -3360,7 +3391,7 @@
         </p:nvSpPr>
         <p:spPr>
           <a:xfrm>
-            <a:off x="685800" y="1597819"/>
+            <a:off x="685800" y="742892"/>
             <a:ext cx="7772400" cy="1102519"/>
           </a:xfrm>
         </p:spPr>
@@ -3372,8 +3403,42 @@
               <a:buNone/>
             </a:pPr>
             <a:r>
-              <a:t>Clase 1: Ecologia de Poblaciones</a:t>
-            </a:r>
+              <a:rPr dirty="0" err="1"/>
+              <a:t>Clase</a:t>
+            </a:r>
+            <a:r>
+              <a:rPr dirty="0"/>
+              <a:t> </a:t>
+            </a:r>
+            <a:r>
+              <a:rPr lang="en-US" dirty="0"/>
+              <a:t>2</a:t>
+            </a:r>
+            <a:r>
+              <a:rPr dirty="0"/>
+              <a:t>: </a:t>
+            </a:r>
+            <a:r>
+              <a:rPr dirty="0" err="1"/>
+              <a:t>Ecologia</a:t>
+            </a:r>
+            <a:r>
+              <a:rPr lang="en-US" dirty="0"/>
+              <a:t> </a:t>
+            </a:r>
+            <a:r>
+              <a:rPr lang="en-US" dirty="0" err="1"/>
+              <a:t>Aplicada</a:t>
+            </a:r>
+            <a:r>
+              <a:rPr lang="en-US" dirty="0"/>
+              <a:t> de </a:t>
+            </a:r>
+            <a:r>
+              <a:rPr dirty="0" err="1"/>
+              <a:t>Poblaciones</a:t>
+            </a:r>
+            <a:endParaRPr dirty="0"/>
           </a:p>
         </p:txBody>
       </p:sp>
@@ -3389,22 +3454,48 @@
         </p:nvSpPr>
         <p:spPr>
           <a:xfrm>
-            <a:off x="1371600" y="2914650"/>
-            <a:ext cx="6400800" cy="1314450"/>
+            <a:off x="1371600" y="2668859"/>
+            <a:ext cx="6400800" cy="1011625"/>
           </a:xfrm>
         </p:spPr>
         <p:txBody>
-          <a:bodyPr/>
+          <a:bodyPr>
+            <a:normAutofit fontScale="70000" lnSpcReduction="20000"/>
+          </a:bodyPr>
           <a:lstStyle/>
           <a:p>
             <a:pPr marL="0" lvl="0" indent="0">
               <a:buNone/>
             </a:pPr>
-            <a:br/>
-            <a:br/>
-            <a:r>
+            <a:br>
+              <a:rPr dirty="0"/>
+            </a:br>
+            <a:br>
+              <a:rPr dirty="0"/>
+            </a:br>
+            <a:r>
+              <a:rPr dirty="0"/>
               <a:t>David Murillo</a:t>
             </a:r>
+            <a:endParaRPr lang="en-US" dirty="0"/>
+          </a:p>
+          <a:p>
+            <a:pPr marL="0" lvl="0" indent="0">
+              <a:buNone/>
+            </a:pPr>
+            <a:r>
+              <a:rPr lang="en-US" dirty="0"/>
+              <a:t>23 de </a:t>
+            </a:r>
+            <a:r>
+              <a:rPr lang="en-US" dirty="0" err="1"/>
+              <a:t>enero</a:t>
+            </a:r>
+            <a:r>
+              <a:rPr lang="en-US" dirty="0"/>
+              <a:t> 2024</a:t>
+            </a:r>
+            <a:endParaRPr dirty="0"/>
           </a:p>
         </p:txBody>
       </p:sp>
@@ -3457,109 +3548,146 @@
           </a:p>
         </p:txBody>
       </p:sp>
-      <p:sp>
-        <p:nvSpPr>
-          <p:cNvPr id="3" name="Content Placeholder 2"/>
-          <p:cNvSpPr>
-            <a:spLocks noGrp="1"/>
-          </p:cNvSpPr>
-          <p:nvPr>
-            <p:ph sz="half" idx="1"/>
-          </p:nvPr>
-        </p:nvSpPr>
-        <p:spPr/>
-        <p:txBody>
-          <a:bodyPr/>
-          <a:lstStyle/>
-          <a:p>
-            <a:pPr marL="0" lvl="0" indent="0">
-              <a:buNone/>
-            </a:pPr>
-            <a:r>
-              <a:t>En el caso de una especie anual, la tasa de fecundidad es equivalente a la tasa de crecimiento de la población.</a:t>
-            </a:r>
-          </a:p>
-          <a:p>
-            <a:pPr marL="0" lvl="0" indent="0">
-              <a:buNone/>
-            </a:pPr>
-            <a14:m xmlns:a14="http://schemas.microsoft.com/office/drawing/2010/main">
-              <m:oMathPara xmlns:m="http://schemas.openxmlformats.org/officeDocument/2006/math">
-                <m:oMathParaPr>
-                  <m:jc m:val="center"/>
-                </m:oMathParaPr>
-                <m:oMath xmlns:m="http://schemas.openxmlformats.org/officeDocument/2006/math">
-                  <m:r>
-                    <a:rPr>
-                      <a:latin typeface="Cambria Math" panose="02040503050406030204" pitchFamily="18" charset="0"/>
-                    </a:rPr>
-                    <m:t>𝑁</m:t>
-                  </m:r>
-                  <m:d>
-                    <m:dPr>
-                      <m:ctrlPr>
-                        <a:rPr i="1">
-                          <a:latin typeface="Cambria Math" panose="02040503050406030204" pitchFamily="18" charset="0"/>
-                        </a:rPr>
-                      </m:ctrlPr>
-                    </m:dPr>
-                    <m:e>
+      <mc:AlternateContent xmlns:mc="http://schemas.openxmlformats.org/markup-compatibility/2006" xmlns:a14="http://schemas.microsoft.com/office/drawing/2010/main">
+        <mc:Choice Requires="a14">
+          <p:sp>
+            <p:nvSpPr>
+              <p:cNvPr id="3" name="Content Placeholder 2"/>
+              <p:cNvSpPr>
+                <a:spLocks noGrp="1"/>
+              </p:cNvSpPr>
+              <p:nvPr>
+                <p:ph sz="half" idx="1"/>
+              </p:nvPr>
+            </p:nvSpPr>
+            <p:spPr/>
+            <p:txBody>
+              <a:bodyPr/>
+              <a:lstStyle/>
+              <a:p>
+                <a:pPr marL="0" lvl="0" indent="0">
+                  <a:buNone/>
+                </a:pPr>
+                <a:r>
+                  <a:t>En el caso de una especie anual, la tasa de fecundidad es equivalente a la tasa de crecimiento de la población.</a:t>
+                </a:r>
+              </a:p>
+              <a:p>
+                <a:pPr marL="0" lvl="0" indent="0">
+                  <a:buNone/>
+                </a:pPr>
+                <a14:m>
+                  <m:oMathPara xmlns:m="http://schemas.openxmlformats.org/officeDocument/2006/math">
+                    <m:oMathParaPr>
+                      <m:jc m:val="center"/>
+                    </m:oMathParaPr>
+                    <m:oMath xmlns:m="http://schemas.openxmlformats.org/officeDocument/2006/math">
                       <m:r>
                         <a:rPr>
                           <a:latin typeface="Cambria Math" panose="02040503050406030204" pitchFamily="18" charset="0"/>
                         </a:rPr>
-                        <m:t>𝑡</m:t>
+                        <m:t>𝑁</m:t>
+                      </m:r>
+                      <m:d>
+                        <m:dPr>
+                          <m:ctrlPr>
+                            <a:rPr i="1">
+                              <a:latin typeface="Cambria Math" panose="02040503050406030204" pitchFamily="18" charset="0"/>
+                            </a:rPr>
+                          </m:ctrlPr>
+                        </m:dPr>
+                        <m:e>
+                          <m:r>
+                            <a:rPr>
+                              <a:latin typeface="Cambria Math" panose="02040503050406030204" pitchFamily="18" charset="0"/>
+                            </a:rPr>
+                            <m:t>𝑡</m:t>
+                          </m:r>
+                          <m:r>
+                            <a:rPr>
+                              <a:latin typeface="Cambria Math" panose="02040503050406030204" pitchFamily="18" charset="0"/>
+                            </a:rPr>
+                            <m:t>+1</m:t>
+                          </m:r>
+                        </m:e>
+                      </m:d>
+                      <m:r>
+                        <a:rPr>
+                          <a:latin typeface="Cambria Math" panose="02040503050406030204" pitchFamily="18" charset="0"/>
+                        </a:rPr>
+                        <m:t>=</m:t>
                       </m:r>
                       <m:r>
                         <a:rPr>
                           <a:latin typeface="Cambria Math" panose="02040503050406030204" pitchFamily="18" charset="0"/>
                         </a:rPr>
-                        <m:t>+1</m:t>
+                        <m:t>𝑁</m:t>
                       </m:r>
-                    </m:e>
-                  </m:d>
-                  <m:r>
-                    <a:rPr>
-                      <a:latin typeface="Cambria Math" panose="02040503050406030204" pitchFamily="18" charset="0"/>
-                    </a:rPr>
-                    <m:t>=</m:t>
-                  </m:r>
-                  <m:r>
-                    <a:rPr>
-                      <a:latin typeface="Cambria Math" panose="02040503050406030204" pitchFamily="18" charset="0"/>
-                    </a:rPr>
-                    <m:t>𝑁</m:t>
-                  </m:r>
-                  <m:d>
-                    <m:dPr>
-                      <m:ctrlPr>
-                        <a:rPr i="1">
-                          <a:latin typeface="Cambria Math" panose="02040503050406030204" pitchFamily="18" charset="0"/>
-                        </a:rPr>
-                      </m:ctrlPr>
-                    </m:dPr>
-                    <m:e>
+                      <m:d>
+                        <m:dPr>
+                          <m:ctrlPr>
+                            <a:rPr i="1">
+                              <a:latin typeface="Cambria Math" panose="02040503050406030204" pitchFamily="18" charset="0"/>
+                            </a:rPr>
+                          </m:ctrlPr>
+                        </m:dPr>
+                        <m:e>
+                          <m:r>
+                            <a:rPr>
+                              <a:latin typeface="Cambria Math" panose="02040503050406030204" pitchFamily="18" charset="0"/>
+                            </a:rPr>
+                            <m:t>𝑡</m:t>
+                          </m:r>
+                        </m:e>
+                      </m:d>
                       <m:r>
                         <a:rPr>
                           <a:latin typeface="Cambria Math" panose="02040503050406030204" pitchFamily="18" charset="0"/>
                         </a:rPr>
-                        <m:t>𝑡</m:t>
+                        <m:t>𝑅</m:t>
                       </m:r>
-                    </m:e>
-                  </m:d>
-                  <m:r>
-                    <a:rPr>
-                      <a:latin typeface="Cambria Math" panose="02040503050406030204" pitchFamily="18" charset="0"/>
-                    </a:rPr>
-                    <m:t>𝑅</m:t>
-                  </m:r>
-                </m:oMath>
-              </m:oMathPara>
-            </a14:m>
-            <a:endParaRPr/>
-          </a:p>
-        </p:txBody>
-      </p:sp>
+                    </m:oMath>
+                  </m:oMathPara>
+                </a14:m>
+                <a:endParaRPr/>
+              </a:p>
+            </p:txBody>
+          </p:sp>
+        </mc:Choice>
+        <mc:Fallback xmlns="">
+          <p:sp>
+            <p:nvSpPr>
+              <p:cNvPr id="3" name="Content Placeholder 2"/>
+              <p:cNvSpPr>
+                <a:spLocks noGrp="1" noRot="1" noChangeAspect="1" noMove="1" noResize="1" noEditPoints="1" noAdjustHandles="1" noChangeArrowheads="1" noChangeShapeType="1" noTextEdit="1"/>
+              </p:cNvSpPr>
+              <p:nvPr>
+                <p:ph sz="half" idx="1"/>
+              </p:nvPr>
+            </p:nvSpPr>
+            <p:spPr>
+              <a:blipFill>
+                <a:blip r:embed="rId2"/>
+                <a:stretch>
+                  <a:fillRect l="-1810" t="-1077"/>
+                </a:stretch>
+              </a:blipFill>
+            </p:spPr>
+            <p:txBody>
+              <a:bodyPr/>
+              <a:lstStyle/>
+              <a:p>
+                <a:r>
+                  <a:rPr lang="es-HN">
+                    <a:noFill/>
+                  </a:rPr>
+                  <a:t> </a:t>
+                </a:r>
+              </a:p>
+            </p:txBody>
+          </p:sp>
+        </mc:Fallback>
+      </mc:AlternateContent>
       <p:sp>
         <p:nvSpPr>
           <p:cNvPr id="4" name="Content Placeholder 3"/>
@@ -3651,395 +3779,469 @@
           </a:p>
         </p:txBody>
       </p:sp>
-      <p:sp>
-        <p:nvSpPr>
-          <p:cNvPr id="3" name="Content Placeholder 2"/>
-          <p:cNvSpPr>
-            <a:spLocks noGrp="1"/>
-          </p:cNvSpPr>
-          <p:nvPr>
-            <p:ph sz="half" idx="1"/>
-          </p:nvPr>
-        </p:nvSpPr>
-        <p:spPr/>
-        <p:txBody>
-          <a:bodyPr/>
-          <a:lstStyle/>
-          <a:p>
-            <a:pPr marL="0" lvl="0" indent="0">
-              <a:buNone/>
-            </a:pPr>
-            <a:r>
-              <a:t>Si deseamos predecir el tamaño de la población para dos años, podemos aplicar la ecuación en dos ocasiones.</a:t>
-            </a:r>
-          </a:p>
-          <a:p>
-            <a:pPr marL="0" lvl="0" indent="0">
-              <a:buNone/>
-            </a:pPr>
-            <a14:m xmlns:a14="http://schemas.microsoft.com/office/drawing/2010/main">
-              <m:oMathPara xmlns:m="http://schemas.openxmlformats.org/officeDocument/2006/math">
-                <m:oMathParaPr>
-                  <m:jc m:val="center"/>
-                </m:oMathParaPr>
-                <m:oMath xmlns:m="http://schemas.openxmlformats.org/officeDocument/2006/math">
-                  <m:r>
-                    <a:rPr>
-                      <a:latin typeface="Cambria Math" panose="02040503050406030204" pitchFamily="18" charset="0"/>
-                    </a:rPr>
-                    <m:t>𝑁</m:t>
-                  </m:r>
-                  <m:d>
-                    <m:dPr>
-                      <m:ctrlPr>
-                        <a:rPr i="1">
-                          <a:latin typeface="Cambria Math" panose="02040503050406030204" pitchFamily="18" charset="0"/>
-                        </a:rPr>
-                      </m:ctrlPr>
-                    </m:dPr>
-                    <m:e>
+      <mc:AlternateContent xmlns:mc="http://schemas.openxmlformats.org/markup-compatibility/2006" xmlns:a14="http://schemas.microsoft.com/office/drawing/2010/main">
+        <mc:Choice Requires="a14">
+          <p:sp>
+            <p:nvSpPr>
+              <p:cNvPr id="3" name="Content Placeholder 2"/>
+              <p:cNvSpPr>
+                <a:spLocks noGrp="1"/>
+              </p:cNvSpPr>
+              <p:nvPr>
+                <p:ph sz="half" idx="1"/>
+              </p:nvPr>
+            </p:nvSpPr>
+            <p:spPr/>
+            <p:txBody>
+              <a:bodyPr/>
+              <a:lstStyle/>
+              <a:p>
+                <a:pPr marL="0" lvl="0" indent="0">
+                  <a:buNone/>
+                </a:pPr>
+                <a:r>
+                  <a:t>Si deseamos predecir el tamaño de la población para dos años, podemos aplicar la ecuación en dos ocasiones.</a:t>
+                </a:r>
+              </a:p>
+              <a:p>
+                <a:pPr marL="0" lvl="0" indent="0">
+                  <a:buNone/>
+                </a:pPr>
+                <a14:m>
+                  <m:oMathPara xmlns:m="http://schemas.openxmlformats.org/officeDocument/2006/math">
+                    <m:oMathParaPr>
+                      <m:jc m:val="center"/>
+                    </m:oMathParaPr>
+                    <m:oMath xmlns:m="http://schemas.openxmlformats.org/officeDocument/2006/math">
                       <m:r>
                         <a:rPr>
                           <a:latin typeface="Cambria Math" panose="02040503050406030204" pitchFamily="18" charset="0"/>
                         </a:rPr>
-                        <m:t>𝑡</m:t>
+                        <m:t>𝑁</m:t>
+                      </m:r>
+                      <m:d>
+                        <m:dPr>
+                          <m:ctrlPr>
+                            <a:rPr i="1">
+                              <a:latin typeface="Cambria Math" panose="02040503050406030204" pitchFamily="18" charset="0"/>
+                            </a:rPr>
+                          </m:ctrlPr>
+                        </m:dPr>
+                        <m:e>
+                          <m:r>
+                            <a:rPr>
+                              <a:latin typeface="Cambria Math" panose="02040503050406030204" pitchFamily="18" charset="0"/>
+                            </a:rPr>
+                            <m:t>𝑡</m:t>
+                          </m:r>
+                          <m:r>
+                            <a:rPr>
+                              <a:latin typeface="Cambria Math" panose="02040503050406030204" pitchFamily="18" charset="0"/>
+                            </a:rPr>
+                            <m:t>+2</m:t>
+                          </m:r>
+                        </m:e>
+                      </m:d>
+                      <m:r>
+                        <a:rPr>
+                          <a:latin typeface="Cambria Math" panose="02040503050406030204" pitchFamily="18" charset="0"/>
+                        </a:rPr>
+                        <m:t>=</m:t>
                       </m:r>
                       <m:r>
                         <a:rPr>
                           <a:latin typeface="Cambria Math" panose="02040503050406030204" pitchFamily="18" charset="0"/>
                         </a:rPr>
-                        <m:t>+2</m:t>
+                        <m:t>𝑁</m:t>
                       </m:r>
-                    </m:e>
-                  </m:d>
-                  <m:r>
-                    <a:rPr>
-                      <a:latin typeface="Cambria Math" panose="02040503050406030204" pitchFamily="18" charset="0"/>
-                    </a:rPr>
-                    <m:t>=</m:t>
-                  </m:r>
-                  <m:r>
-                    <a:rPr>
-                      <a:latin typeface="Cambria Math" panose="02040503050406030204" pitchFamily="18" charset="0"/>
-                    </a:rPr>
-                    <m:t>𝑁</m:t>
-                  </m:r>
-                  <m:d>
-                    <m:dPr>
-                      <m:ctrlPr>
-                        <a:rPr i="1">
-                          <a:latin typeface="Cambria Math" panose="02040503050406030204" pitchFamily="18" charset="0"/>
-                        </a:rPr>
-                      </m:ctrlPr>
-                    </m:dPr>
-                    <m:e>
-                      <m:r>
-                        <a:rPr>
-                          <a:latin typeface="Cambria Math" panose="02040503050406030204" pitchFamily="18" charset="0"/>
-                        </a:rPr>
-                        <m:t>𝑡</m:t>
-                      </m:r>
-                      <m:r>
-                        <a:rPr>
-                          <a:latin typeface="Cambria Math" panose="02040503050406030204" pitchFamily="18" charset="0"/>
-                        </a:rPr>
-                        <m:t>+1</m:t>
-                      </m:r>
-                    </m:e>
-                  </m:d>
-                  <m:r>
-                    <a:rPr>
-                      <a:latin typeface="Cambria Math" panose="02040503050406030204" pitchFamily="18" charset="0"/>
-                    </a:rPr>
-                    <m:t>𝑅</m:t>
-                  </m:r>
-                </m:oMath>
-              </m:oMathPara>
-            </a14:m>
-            <a:endParaRPr/>
-          </a:p>
-          <a:p>
-            <a:pPr marL="0" lvl="0" indent="0">
-              <a:buNone/>
-            </a:pPr>
-            <a14:m xmlns:a14="http://schemas.microsoft.com/office/drawing/2010/main">
-              <m:oMathPara xmlns:m="http://schemas.openxmlformats.org/officeDocument/2006/math">
-                <m:oMathParaPr>
-                  <m:jc m:val="center"/>
-                </m:oMathParaPr>
-                <m:oMath xmlns:m="http://schemas.openxmlformats.org/officeDocument/2006/math">
-                  <m:r>
-                    <a:rPr>
-                      <a:latin typeface="Cambria Math" panose="02040503050406030204" pitchFamily="18" charset="0"/>
-                    </a:rPr>
-                    <m:t>𝑁</m:t>
-                  </m:r>
-                  <m:d>
-                    <m:dPr>
-                      <m:ctrlPr>
-                        <a:rPr i="1">
-                          <a:latin typeface="Cambria Math" panose="02040503050406030204" pitchFamily="18" charset="0"/>
-                        </a:rPr>
-                      </m:ctrlPr>
-                    </m:dPr>
-                    <m:e>
-                      <m:r>
-                        <a:rPr>
-                          <a:latin typeface="Cambria Math" panose="02040503050406030204" pitchFamily="18" charset="0"/>
-                        </a:rPr>
-                        <m:t>𝑡</m:t>
-                      </m:r>
-                      <m:r>
-                        <a:rPr>
-                          <a:latin typeface="Cambria Math" panose="02040503050406030204" pitchFamily="18" charset="0"/>
-                        </a:rPr>
-                        <m:t>+1</m:t>
-                      </m:r>
-                    </m:e>
-                  </m:d>
-                  <m:r>
-                    <a:rPr>
-                      <a:latin typeface="Cambria Math" panose="02040503050406030204" pitchFamily="18" charset="0"/>
-                    </a:rPr>
-                    <m:t>=</m:t>
-                  </m:r>
-                  <m:r>
-                    <a:rPr>
-                      <a:latin typeface="Cambria Math" panose="02040503050406030204" pitchFamily="18" charset="0"/>
-                    </a:rPr>
-                    <m:t>𝑁</m:t>
-                  </m:r>
-                  <m:d>
-                    <m:dPr>
-                      <m:ctrlPr>
-                        <a:rPr i="1">
-                          <a:latin typeface="Cambria Math" panose="02040503050406030204" pitchFamily="18" charset="0"/>
-                        </a:rPr>
-                      </m:ctrlPr>
-                    </m:dPr>
-                    <m:e>
-                      <m:r>
-                        <a:rPr>
-                          <a:latin typeface="Cambria Math" panose="02040503050406030204" pitchFamily="18" charset="0"/>
-                        </a:rPr>
-                        <m:t>𝑡</m:t>
-                      </m:r>
-                    </m:e>
-                  </m:d>
-                  <m:r>
-                    <a:rPr>
-                      <a:latin typeface="Cambria Math" panose="02040503050406030204" pitchFamily="18" charset="0"/>
-                    </a:rPr>
-                    <m:t>𝑅</m:t>
-                  </m:r>
-                </m:oMath>
-              </m:oMathPara>
-            </a14:m>
-            <a:endParaRPr/>
-          </a:p>
-        </p:txBody>
-      </p:sp>
-      <p:sp>
-        <p:nvSpPr>
-          <p:cNvPr id="4" name="Content Placeholder 3"/>
-          <p:cNvSpPr>
-            <a:spLocks noGrp="1"/>
-          </p:cNvSpPr>
-          <p:nvPr>
-            <p:ph sz="half" idx="2"/>
-          </p:nvPr>
-        </p:nvSpPr>
-        <p:spPr/>
-        <p:txBody>
-          <a:bodyPr/>
-          <a:lstStyle/>
-          <a:p>
-            <a:pPr marL="0" lvl="0" indent="0">
-              <a:buNone/>
-            </a:pPr>
-            <a:r>
-              <a:t>Al integrar estas ecuaciones,</a:t>
-            </a:r>
-          </a:p>
-          <a:p>
-            <a:pPr marL="0" lvl="0" indent="0">
-              <a:buNone/>
-            </a:pPr>
-            <a14:m xmlns:a14="http://schemas.microsoft.com/office/drawing/2010/main">
-              <m:oMathPara xmlns:m="http://schemas.openxmlformats.org/officeDocument/2006/math">
-                <m:oMathParaPr>
-                  <m:jc m:val="center"/>
-                </m:oMathParaPr>
-                <m:oMath xmlns:m="http://schemas.openxmlformats.org/officeDocument/2006/math">
-                  <m:r>
-                    <a:rPr>
-                      <a:latin typeface="Cambria Math" panose="02040503050406030204" pitchFamily="18" charset="0"/>
-                    </a:rPr>
-                    <m:t>𝑁</m:t>
-                  </m:r>
-                  <m:d>
-                    <m:dPr>
-                      <m:ctrlPr>
-                        <a:rPr i="1">
-                          <a:latin typeface="Cambria Math" panose="02040503050406030204" pitchFamily="18" charset="0"/>
-                        </a:rPr>
-                      </m:ctrlPr>
-                    </m:dPr>
-                    <m:e>
-                      <m:r>
-                        <a:rPr>
-                          <a:latin typeface="Cambria Math" panose="02040503050406030204" pitchFamily="18" charset="0"/>
-                        </a:rPr>
-                        <m:t>𝑡</m:t>
-                      </m:r>
-                      <m:r>
-                        <a:rPr>
-                          <a:latin typeface="Cambria Math" panose="02040503050406030204" pitchFamily="18" charset="0"/>
-                        </a:rPr>
-                        <m:t>+2</m:t>
-                      </m:r>
-                    </m:e>
-                  </m:d>
-                  <m:r>
-                    <a:rPr>
-                      <a:latin typeface="Cambria Math" panose="02040503050406030204" pitchFamily="18" charset="0"/>
-                    </a:rPr>
-                    <m:t>=</m:t>
-                  </m:r>
-                  <m:r>
-                    <a:rPr>
-                      <a:latin typeface="Cambria Math" panose="02040503050406030204" pitchFamily="18" charset="0"/>
-                    </a:rPr>
-                    <m:t>𝑁</m:t>
-                  </m:r>
-                  <m:d>
-                    <m:dPr>
-                      <m:ctrlPr>
-                        <a:rPr i="1">
-                          <a:latin typeface="Cambria Math" panose="02040503050406030204" pitchFamily="18" charset="0"/>
-                        </a:rPr>
-                      </m:ctrlPr>
-                    </m:dPr>
-                    <m:e>
-                      <m:r>
-                        <a:rPr>
-                          <a:latin typeface="Cambria Math" panose="02040503050406030204" pitchFamily="18" charset="0"/>
-                        </a:rPr>
-                        <m:t>𝑡</m:t>
-                      </m:r>
-                    </m:e>
-                  </m:d>
-                  <m:r>
-                    <a:rPr>
-                      <a:latin typeface="Cambria Math" panose="02040503050406030204" pitchFamily="18" charset="0"/>
-                    </a:rPr>
-                    <m:t>𝑅𝑅</m:t>
-                  </m:r>
-                </m:oMath>
-              </m:oMathPara>
-            </a14:m>
-            <a:endParaRPr/>
-          </a:p>
-          <a:p>
-            <a:pPr marL="0" lvl="0" indent="0">
-              <a:buNone/>
-            </a:pPr>
-            <a14:m xmlns:a14="http://schemas.microsoft.com/office/drawing/2010/main">
-              <m:oMathPara xmlns:m="http://schemas.openxmlformats.org/officeDocument/2006/math">
-                <m:oMathParaPr>
-                  <m:jc m:val="center"/>
-                </m:oMathParaPr>
-                <m:oMath xmlns:m="http://schemas.openxmlformats.org/officeDocument/2006/math">
-                  <m:r>
-                    <a:rPr>
-                      <a:latin typeface="Cambria Math" panose="02040503050406030204" pitchFamily="18" charset="0"/>
-                    </a:rPr>
-                    <m:t>𝑁</m:t>
-                  </m:r>
-                  <m:d>
-                    <m:dPr>
-                      <m:ctrlPr>
-                        <a:rPr i="1">
-                          <a:latin typeface="Cambria Math" panose="02040503050406030204" pitchFamily="18" charset="0"/>
-                        </a:rPr>
-                      </m:ctrlPr>
-                    </m:dPr>
-                    <m:e>
-                      <m:r>
-                        <a:rPr>
-                          <a:latin typeface="Cambria Math" panose="02040503050406030204" pitchFamily="18" charset="0"/>
-                        </a:rPr>
-                        <m:t>𝑡</m:t>
-                      </m:r>
-                      <m:r>
-                        <a:rPr>
-                          <a:latin typeface="Cambria Math" panose="02040503050406030204" pitchFamily="18" charset="0"/>
-                        </a:rPr>
-                        <m:t>+2</m:t>
-                      </m:r>
-                    </m:e>
-                  </m:d>
-                  <m:r>
-                    <a:rPr>
-                      <a:latin typeface="Cambria Math" panose="02040503050406030204" pitchFamily="18" charset="0"/>
-                    </a:rPr>
-                    <m:t>=</m:t>
-                  </m:r>
-                  <m:r>
-                    <a:rPr>
-                      <a:latin typeface="Cambria Math" panose="02040503050406030204" pitchFamily="18" charset="0"/>
-                    </a:rPr>
-                    <m:t>𝑁</m:t>
-                  </m:r>
-                  <m:d>
-                    <m:dPr>
-                      <m:ctrlPr>
-                        <a:rPr i="1">
-                          <a:latin typeface="Cambria Math" panose="02040503050406030204" pitchFamily="18" charset="0"/>
-                        </a:rPr>
-                      </m:ctrlPr>
-                    </m:dPr>
-                    <m:e>
-                      <m:r>
-                        <a:rPr>
-                          <a:latin typeface="Cambria Math" panose="02040503050406030204" pitchFamily="18" charset="0"/>
-                        </a:rPr>
-                        <m:t>𝑡</m:t>
-                      </m:r>
-                    </m:e>
-                  </m:d>
-                  <m:sSup>
-                    <m:sSupPr>
-                      <m:ctrlPr>
-                        <a:rPr i="1">
-                          <a:latin typeface="Cambria Math" panose="02040503050406030204" pitchFamily="18" charset="0"/>
-                        </a:rPr>
-                      </m:ctrlPr>
-                    </m:sSupPr>
-                    <m:e>
+                      <m:d>
+                        <m:dPr>
+                          <m:ctrlPr>
+                            <a:rPr i="1">
+                              <a:latin typeface="Cambria Math" panose="02040503050406030204" pitchFamily="18" charset="0"/>
+                            </a:rPr>
+                          </m:ctrlPr>
+                        </m:dPr>
+                        <m:e>
+                          <m:r>
+                            <a:rPr>
+                              <a:latin typeface="Cambria Math" panose="02040503050406030204" pitchFamily="18" charset="0"/>
+                            </a:rPr>
+                            <m:t>𝑡</m:t>
+                          </m:r>
+                          <m:r>
+                            <a:rPr>
+                              <a:latin typeface="Cambria Math" panose="02040503050406030204" pitchFamily="18" charset="0"/>
+                            </a:rPr>
+                            <m:t>+1</m:t>
+                          </m:r>
+                        </m:e>
+                      </m:d>
                       <m:r>
                         <a:rPr>
                           <a:latin typeface="Cambria Math" panose="02040503050406030204" pitchFamily="18" charset="0"/>
                         </a:rPr>
                         <m:t>𝑅</m:t>
                       </m:r>
-                    </m:e>
-                    <m:sup>
+                    </m:oMath>
+                  </m:oMathPara>
+                </a14:m>
+                <a:endParaRPr/>
+              </a:p>
+              <a:p>
+                <a:pPr marL="0" lvl="0" indent="0">
+                  <a:buNone/>
+                </a:pPr>
+                <a14:m>
+                  <m:oMathPara xmlns:m="http://schemas.openxmlformats.org/officeDocument/2006/math">
+                    <m:oMathParaPr>
+                      <m:jc m:val="center"/>
+                    </m:oMathParaPr>
+                    <m:oMath xmlns:m="http://schemas.openxmlformats.org/officeDocument/2006/math">
                       <m:r>
                         <a:rPr>
                           <a:latin typeface="Cambria Math" panose="02040503050406030204" pitchFamily="18" charset="0"/>
                         </a:rPr>
-                        <m:t>2</m:t>
+                        <m:t>𝑁</m:t>
                       </m:r>
-                    </m:sup>
-                  </m:sSup>
-                </m:oMath>
-              </m:oMathPara>
-            </a14:m>
-            <a:endParaRPr/>
-          </a:p>
-        </p:txBody>
-      </p:sp>
+                      <m:d>
+                        <m:dPr>
+                          <m:ctrlPr>
+                            <a:rPr i="1">
+                              <a:latin typeface="Cambria Math" panose="02040503050406030204" pitchFamily="18" charset="0"/>
+                            </a:rPr>
+                          </m:ctrlPr>
+                        </m:dPr>
+                        <m:e>
+                          <m:r>
+                            <a:rPr>
+                              <a:latin typeface="Cambria Math" panose="02040503050406030204" pitchFamily="18" charset="0"/>
+                            </a:rPr>
+                            <m:t>𝑡</m:t>
+                          </m:r>
+                          <m:r>
+                            <a:rPr>
+                              <a:latin typeface="Cambria Math" panose="02040503050406030204" pitchFamily="18" charset="0"/>
+                            </a:rPr>
+                            <m:t>+1</m:t>
+                          </m:r>
+                        </m:e>
+                      </m:d>
+                      <m:r>
+                        <a:rPr>
+                          <a:latin typeface="Cambria Math" panose="02040503050406030204" pitchFamily="18" charset="0"/>
+                        </a:rPr>
+                        <m:t>=</m:t>
+                      </m:r>
+                      <m:r>
+                        <a:rPr>
+                          <a:latin typeface="Cambria Math" panose="02040503050406030204" pitchFamily="18" charset="0"/>
+                        </a:rPr>
+                        <m:t>𝑁</m:t>
+                      </m:r>
+                      <m:d>
+                        <m:dPr>
+                          <m:ctrlPr>
+                            <a:rPr i="1">
+                              <a:latin typeface="Cambria Math" panose="02040503050406030204" pitchFamily="18" charset="0"/>
+                            </a:rPr>
+                          </m:ctrlPr>
+                        </m:dPr>
+                        <m:e>
+                          <m:r>
+                            <a:rPr>
+                              <a:latin typeface="Cambria Math" panose="02040503050406030204" pitchFamily="18" charset="0"/>
+                            </a:rPr>
+                            <m:t>𝑡</m:t>
+                          </m:r>
+                        </m:e>
+                      </m:d>
+                      <m:r>
+                        <a:rPr>
+                          <a:latin typeface="Cambria Math" panose="02040503050406030204" pitchFamily="18" charset="0"/>
+                        </a:rPr>
+                        <m:t>𝑅</m:t>
+                      </m:r>
+                    </m:oMath>
+                  </m:oMathPara>
+                </a14:m>
+                <a:endParaRPr/>
+              </a:p>
+            </p:txBody>
+          </p:sp>
+        </mc:Choice>
+        <mc:Fallback xmlns="">
+          <p:sp>
+            <p:nvSpPr>
+              <p:cNvPr id="3" name="Content Placeholder 2"/>
+              <p:cNvSpPr>
+                <a:spLocks noGrp="1" noRot="1" noChangeAspect="1" noMove="1" noResize="1" noEditPoints="1" noAdjustHandles="1" noChangeArrowheads="1" noChangeShapeType="1" noTextEdit="1"/>
+              </p:cNvSpPr>
+              <p:nvPr>
+                <p:ph sz="half" idx="1"/>
+              </p:nvPr>
+            </p:nvSpPr>
+            <p:spPr>
+              <a:blipFill>
+                <a:blip r:embed="rId2"/>
+                <a:stretch>
+                  <a:fillRect l="-1810" t="-1077" r="-3167"/>
+                </a:stretch>
+              </a:blipFill>
+            </p:spPr>
+            <p:txBody>
+              <a:bodyPr/>
+              <a:lstStyle/>
+              <a:p>
+                <a:r>
+                  <a:rPr lang="es-HN">
+                    <a:noFill/>
+                  </a:rPr>
+                  <a:t> </a:t>
+                </a:r>
+              </a:p>
+            </p:txBody>
+          </p:sp>
+        </mc:Fallback>
+      </mc:AlternateContent>
+      <mc:AlternateContent xmlns:mc="http://schemas.openxmlformats.org/markup-compatibility/2006" xmlns:a14="http://schemas.microsoft.com/office/drawing/2010/main">
+        <mc:Choice Requires="a14">
+          <p:sp>
+            <p:nvSpPr>
+              <p:cNvPr id="4" name="Content Placeholder 3"/>
+              <p:cNvSpPr>
+                <a:spLocks noGrp="1"/>
+              </p:cNvSpPr>
+              <p:nvPr>
+                <p:ph sz="half" idx="2"/>
+              </p:nvPr>
+            </p:nvSpPr>
+            <p:spPr/>
+            <p:txBody>
+              <a:bodyPr/>
+              <a:lstStyle/>
+              <a:p>
+                <a:pPr marL="0" lvl="0" indent="0">
+                  <a:buNone/>
+                </a:pPr>
+                <a:r>
+                  <a:t>Al integrar estas ecuaciones,</a:t>
+                </a:r>
+              </a:p>
+              <a:p>
+                <a:pPr marL="0" lvl="0" indent="0">
+                  <a:buNone/>
+                </a:pPr>
+                <a14:m>
+                  <m:oMathPara xmlns:m="http://schemas.openxmlformats.org/officeDocument/2006/math">
+                    <m:oMathParaPr>
+                      <m:jc m:val="center"/>
+                    </m:oMathParaPr>
+                    <m:oMath xmlns:m="http://schemas.openxmlformats.org/officeDocument/2006/math">
+                      <m:r>
+                        <a:rPr>
+                          <a:latin typeface="Cambria Math" panose="02040503050406030204" pitchFamily="18" charset="0"/>
+                        </a:rPr>
+                        <m:t>𝑁</m:t>
+                      </m:r>
+                      <m:d>
+                        <m:dPr>
+                          <m:ctrlPr>
+                            <a:rPr i="1">
+                              <a:latin typeface="Cambria Math" panose="02040503050406030204" pitchFamily="18" charset="0"/>
+                            </a:rPr>
+                          </m:ctrlPr>
+                        </m:dPr>
+                        <m:e>
+                          <m:r>
+                            <a:rPr>
+                              <a:latin typeface="Cambria Math" panose="02040503050406030204" pitchFamily="18" charset="0"/>
+                            </a:rPr>
+                            <m:t>𝑡</m:t>
+                          </m:r>
+                          <m:r>
+                            <a:rPr>
+                              <a:latin typeface="Cambria Math" panose="02040503050406030204" pitchFamily="18" charset="0"/>
+                            </a:rPr>
+                            <m:t>+2</m:t>
+                          </m:r>
+                        </m:e>
+                      </m:d>
+                      <m:r>
+                        <a:rPr>
+                          <a:latin typeface="Cambria Math" panose="02040503050406030204" pitchFamily="18" charset="0"/>
+                        </a:rPr>
+                        <m:t>=</m:t>
+                      </m:r>
+                      <m:r>
+                        <a:rPr>
+                          <a:latin typeface="Cambria Math" panose="02040503050406030204" pitchFamily="18" charset="0"/>
+                        </a:rPr>
+                        <m:t>𝑁</m:t>
+                      </m:r>
+                      <m:d>
+                        <m:dPr>
+                          <m:ctrlPr>
+                            <a:rPr i="1">
+                              <a:latin typeface="Cambria Math" panose="02040503050406030204" pitchFamily="18" charset="0"/>
+                            </a:rPr>
+                          </m:ctrlPr>
+                        </m:dPr>
+                        <m:e>
+                          <m:r>
+                            <a:rPr>
+                              <a:latin typeface="Cambria Math" panose="02040503050406030204" pitchFamily="18" charset="0"/>
+                            </a:rPr>
+                            <m:t>𝑡</m:t>
+                          </m:r>
+                        </m:e>
+                      </m:d>
+                      <m:r>
+                        <a:rPr>
+                          <a:latin typeface="Cambria Math" panose="02040503050406030204" pitchFamily="18" charset="0"/>
+                        </a:rPr>
+                        <m:t>𝑅𝑅</m:t>
+                      </m:r>
+                    </m:oMath>
+                  </m:oMathPara>
+                </a14:m>
+                <a:endParaRPr/>
+              </a:p>
+              <a:p>
+                <a:pPr marL="0" lvl="0" indent="0">
+                  <a:buNone/>
+                </a:pPr>
+                <a14:m>
+                  <m:oMathPara xmlns:m="http://schemas.openxmlformats.org/officeDocument/2006/math">
+                    <m:oMathParaPr>
+                      <m:jc m:val="center"/>
+                    </m:oMathParaPr>
+                    <m:oMath xmlns:m="http://schemas.openxmlformats.org/officeDocument/2006/math">
+                      <m:r>
+                        <a:rPr>
+                          <a:latin typeface="Cambria Math" panose="02040503050406030204" pitchFamily="18" charset="0"/>
+                        </a:rPr>
+                        <m:t>𝑁</m:t>
+                      </m:r>
+                      <m:d>
+                        <m:dPr>
+                          <m:ctrlPr>
+                            <a:rPr i="1">
+                              <a:latin typeface="Cambria Math" panose="02040503050406030204" pitchFamily="18" charset="0"/>
+                            </a:rPr>
+                          </m:ctrlPr>
+                        </m:dPr>
+                        <m:e>
+                          <m:r>
+                            <a:rPr>
+                              <a:latin typeface="Cambria Math" panose="02040503050406030204" pitchFamily="18" charset="0"/>
+                            </a:rPr>
+                            <m:t>𝑡</m:t>
+                          </m:r>
+                          <m:r>
+                            <a:rPr>
+                              <a:latin typeface="Cambria Math" panose="02040503050406030204" pitchFamily="18" charset="0"/>
+                            </a:rPr>
+                            <m:t>+2</m:t>
+                          </m:r>
+                        </m:e>
+                      </m:d>
+                      <m:r>
+                        <a:rPr>
+                          <a:latin typeface="Cambria Math" panose="02040503050406030204" pitchFamily="18" charset="0"/>
+                        </a:rPr>
+                        <m:t>=</m:t>
+                      </m:r>
+                      <m:r>
+                        <a:rPr>
+                          <a:latin typeface="Cambria Math" panose="02040503050406030204" pitchFamily="18" charset="0"/>
+                        </a:rPr>
+                        <m:t>𝑁</m:t>
+                      </m:r>
+                      <m:d>
+                        <m:dPr>
+                          <m:ctrlPr>
+                            <a:rPr i="1">
+                              <a:latin typeface="Cambria Math" panose="02040503050406030204" pitchFamily="18" charset="0"/>
+                            </a:rPr>
+                          </m:ctrlPr>
+                        </m:dPr>
+                        <m:e>
+                          <m:r>
+                            <a:rPr>
+                              <a:latin typeface="Cambria Math" panose="02040503050406030204" pitchFamily="18" charset="0"/>
+                            </a:rPr>
+                            <m:t>𝑡</m:t>
+                          </m:r>
+                        </m:e>
+                      </m:d>
+                      <m:sSup>
+                        <m:sSupPr>
+                          <m:ctrlPr>
+                            <a:rPr i="1">
+                              <a:latin typeface="Cambria Math" panose="02040503050406030204" pitchFamily="18" charset="0"/>
+                            </a:rPr>
+                          </m:ctrlPr>
+                        </m:sSupPr>
+                        <m:e>
+                          <m:r>
+                            <a:rPr>
+                              <a:latin typeface="Cambria Math" panose="02040503050406030204" pitchFamily="18" charset="0"/>
+                            </a:rPr>
+                            <m:t>𝑅</m:t>
+                          </m:r>
+                        </m:e>
+                        <m:sup>
+                          <m:r>
+                            <a:rPr>
+                              <a:latin typeface="Cambria Math" panose="02040503050406030204" pitchFamily="18" charset="0"/>
+                            </a:rPr>
+                            <m:t>2</m:t>
+                          </m:r>
+                        </m:sup>
+                      </m:sSup>
+                    </m:oMath>
+                  </m:oMathPara>
+                </a14:m>
+                <a:endParaRPr/>
+              </a:p>
+            </p:txBody>
+          </p:sp>
+        </mc:Choice>
+        <mc:Fallback xmlns="">
+          <p:sp>
+            <p:nvSpPr>
+              <p:cNvPr id="4" name="Content Placeholder 3"/>
+              <p:cNvSpPr>
+                <a:spLocks noGrp="1" noRot="1" noChangeAspect="1" noMove="1" noResize="1" noEditPoints="1" noAdjustHandles="1" noChangeArrowheads="1" noChangeShapeType="1" noTextEdit="1"/>
+              </p:cNvSpPr>
+              <p:nvPr>
+                <p:ph sz="half" idx="2"/>
+              </p:nvPr>
+            </p:nvSpPr>
+            <p:spPr>
+              <a:blipFill>
+                <a:blip r:embed="rId3"/>
+                <a:stretch>
+                  <a:fillRect l="-1813" t="-1077"/>
+                </a:stretch>
+              </a:blipFill>
+            </p:spPr>
+            <p:txBody>
+              <a:bodyPr/>
+              <a:lstStyle/>
+              <a:p>
+                <a:r>
+                  <a:rPr lang="es-HN">
+                    <a:noFill/>
+                  </a:rPr>
+                  <a:t> </a:t>
+                </a:r>
+              </a:p>
+            </p:txBody>
+          </p:sp>
+        </mc:Fallback>
+      </mc:AlternateContent>
     </p:spTree>
   </p:cSld>
   <p:clrMapOvr>
@@ -4089,129 +4291,166 @@
           </a:p>
         </p:txBody>
       </p:sp>
-      <p:sp>
-        <p:nvSpPr>
-          <p:cNvPr id="3" name="Content Placeholder 2"/>
-          <p:cNvSpPr>
-            <a:spLocks noGrp="1"/>
-          </p:cNvSpPr>
-          <p:nvPr>
-            <p:ph idx="1"/>
-          </p:nvPr>
-        </p:nvSpPr>
-        <p:spPr/>
-        <p:txBody>
-          <a:bodyPr/>
-          <a:lstStyle/>
-          <a:p>
-            <a:pPr marL="0" lvl="0" indent="0">
-              <a:buNone/>
-            </a:pPr>
-            <a:r>
-              <a:t>Si deseamos predecir el tamaño de la población en el tiempo </a:t>
-            </a:r>
-            <a:r>
-              <a:rPr i="1"/>
-              <a:t>t</a:t>
-            </a:r>
-            <a:r>
-              <a:t> en el futuro próximo, a partir del tiempo 0, la ecuación para el crecimiento de la población puede expresarse de la siguiente manera:</a:t>
-            </a:r>
-          </a:p>
-          <a:p>
-            <a:pPr marL="0" lvl="0" indent="0">
-              <a:buNone/>
-            </a:pPr>
-            <a14:m xmlns:a14="http://schemas.microsoft.com/office/drawing/2010/main">
-              <m:oMathPara xmlns:m="http://schemas.openxmlformats.org/officeDocument/2006/math">
-                <m:oMathParaPr>
-                  <m:jc m:val="center"/>
-                </m:oMathParaPr>
-                <m:oMath xmlns:m="http://schemas.openxmlformats.org/officeDocument/2006/math">
-                  <m:r>
-                    <a:rPr>
-                      <a:latin typeface="Cambria Math" panose="02040503050406030204" pitchFamily="18" charset="0"/>
-                    </a:rPr>
-                    <m:t>𝑁</m:t>
-                  </m:r>
-                  <m:d>
-                    <m:dPr>
-                      <m:ctrlPr>
-                        <a:rPr i="1">
-                          <a:latin typeface="Cambria Math" panose="02040503050406030204" pitchFamily="18" charset="0"/>
-                        </a:rPr>
-                      </m:ctrlPr>
-                    </m:dPr>
-                    <m:e>
+      <mc:AlternateContent xmlns:mc="http://schemas.openxmlformats.org/markup-compatibility/2006" xmlns:a14="http://schemas.microsoft.com/office/drawing/2010/main">
+        <mc:Choice Requires="a14">
+          <p:sp>
+            <p:nvSpPr>
+              <p:cNvPr id="3" name="Content Placeholder 2"/>
+              <p:cNvSpPr>
+                <a:spLocks noGrp="1"/>
+              </p:cNvSpPr>
+              <p:nvPr>
+                <p:ph idx="1"/>
+              </p:nvPr>
+            </p:nvSpPr>
+            <p:spPr/>
+            <p:txBody>
+              <a:bodyPr/>
+              <a:lstStyle/>
+              <a:p>
+                <a:pPr marL="0" lvl="0" indent="0">
+                  <a:buNone/>
+                </a:pPr>
+                <a:r>
+                  <a:t>Si deseamos predecir el tamaño de la población en el tiempo </a:t>
+                </a:r>
+                <a:r>
+                  <a:rPr i="1"/>
+                  <a:t>t</a:t>
+                </a:r>
+                <a:r>
+                  <a:t> en el futuro próximo, a partir del tiempo 0, la ecuación para el crecimiento de la población puede expresarse de la siguiente manera:</a:t>
+                </a:r>
+              </a:p>
+              <a:p>
+                <a:pPr marL="0" lvl="0" indent="0">
+                  <a:buNone/>
+                </a:pPr>
+                <a14:m>
+                  <m:oMathPara xmlns:m="http://schemas.openxmlformats.org/officeDocument/2006/math">
+                    <m:oMathParaPr>
+                      <m:jc m:val="center"/>
+                    </m:oMathParaPr>
+                    <m:oMath xmlns:m="http://schemas.openxmlformats.org/officeDocument/2006/math">
                       <m:r>
                         <a:rPr>
                           <a:latin typeface="Cambria Math" panose="02040503050406030204" pitchFamily="18" charset="0"/>
                         </a:rPr>
-                        <m:t>𝑡</m:t>
+                        <m:t>𝑁</m:t>
                       </m:r>
-                    </m:e>
-                  </m:d>
-                  <m:r>
-                    <a:rPr>
-                      <a:latin typeface="Cambria Math" panose="02040503050406030204" pitchFamily="18" charset="0"/>
-                    </a:rPr>
-                    <m:t>=</m:t>
-                  </m:r>
-                  <m:r>
-                    <a:rPr>
-                      <a:latin typeface="Cambria Math" panose="02040503050406030204" pitchFamily="18" charset="0"/>
-                    </a:rPr>
-                    <m:t>𝑁</m:t>
-                  </m:r>
-                  <m:d>
-                    <m:dPr>
-                      <m:ctrlPr>
-                        <a:rPr i="1">
-                          <a:latin typeface="Cambria Math" panose="02040503050406030204" pitchFamily="18" charset="0"/>
-                        </a:rPr>
-                      </m:ctrlPr>
-                    </m:dPr>
-                    <m:e>
+                      <m:d>
+                        <m:dPr>
+                          <m:ctrlPr>
+                            <a:rPr i="1">
+                              <a:latin typeface="Cambria Math" panose="02040503050406030204" pitchFamily="18" charset="0"/>
+                            </a:rPr>
+                          </m:ctrlPr>
+                        </m:dPr>
+                        <m:e>
+                          <m:r>
+                            <a:rPr>
+                              <a:latin typeface="Cambria Math" panose="02040503050406030204" pitchFamily="18" charset="0"/>
+                            </a:rPr>
+                            <m:t>𝑡</m:t>
+                          </m:r>
+                        </m:e>
+                      </m:d>
                       <m:r>
                         <a:rPr>
                           <a:latin typeface="Cambria Math" panose="02040503050406030204" pitchFamily="18" charset="0"/>
                         </a:rPr>
-                        <m:t>0</m:t>
+                        <m:t>=</m:t>
                       </m:r>
-                    </m:e>
-                  </m:d>
-                  <m:sSup>
-                    <m:sSupPr>
-                      <m:ctrlPr>
-                        <a:rPr i="1">
-                          <a:latin typeface="Cambria Math" panose="02040503050406030204" pitchFamily="18" charset="0"/>
-                        </a:rPr>
-                      </m:ctrlPr>
-                    </m:sSupPr>
-                    <m:e>
                       <m:r>
                         <a:rPr>
                           <a:latin typeface="Cambria Math" panose="02040503050406030204" pitchFamily="18" charset="0"/>
                         </a:rPr>
-                        <m:t>𝑅</m:t>
+                        <m:t>𝑁</m:t>
                       </m:r>
-                    </m:e>
-                    <m:sup>
-                      <m:r>
-                        <a:rPr>
-                          <a:latin typeface="Cambria Math" panose="02040503050406030204" pitchFamily="18" charset="0"/>
-                        </a:rPr>
-                        <m:t>𝑡</m:t>
-                      </m:r>
-                    </m:sup>
-                  </m:sSup>
-                </m:oMath>
-              </m:oMathPara>
-            </a14:m>
-            <a:endParaRPr/>
-          </a:p>
-        </p:txBody>
-      </p:sp>
+                      <m:d>
+                        <m:dPr>
+                          <m:ctrlPr>
+                            <a:rPr i="1">
+                              <a:latin typeface="Cambria Math" panose="02040503050406030204" pitchFamily="18" charset="0"/>
+                            </a:rPr>
+                          </m:ctrlPr>
+                        </m:dPr>
+                        <m:e>
+                          <m:r>
+                            <a:rPr>
+                              <a:latin typeface="Cambria Math" panose="02040503050406030204" pitchFamily="18" charset="0"/>
+                            </a:rPr>
+                            <m:t>0</m:t>
+                          </m:r>
+                        </m:e>
+                      </m:d>
+                      <m:sSup>
+                        <m:sSupPr>
+                          <m:ctrlPr>
+                            <a:rPr i="1">
+                              <a:latin typeface="Cambria Math" panose="02040503050406030204" pitchFamily="18" charset="0"/>
+                            </a:rPr>
+                          </m:ctrlPr>
+                        </m:sSupPr>
+                        <m:e>
+                          <m:r>
+                            <a:rPr>
+                              <a:latin typeface="Cambria Math" panose="02040503050406030204" pitchFamily="18" charset="0"/>
+                            </a:rPr>
+                            <m:t>𝑅</m:t>
+                          </m:r>
+                        </m:e>
+                        <m:sup>
+                          <m:r>
+                            <a:rPr>
+                              <a:latin typeface="Cambria Math" panose="02040503050406030204" pitchFamily="18" charset="0"/>
+                            </a:rPr>
+                            <m:t>𝑡</m:t>
+                          </m:r>
+                        </m:sup>
+                      </m:sSup>
+                    </m:oMath>
+                  </m:oMathPara>
+                </a14:m>
+                <a:endParaRPr/>
+              </a:p>
+            </p:txBody>
+          </p:sp>
+        </mc:Choice>
+        <mc:Fallback xmlns="">
+          <p:sp>
+            <p:nvSpPr>
+              <p:cNvPr id="3" name="Content Placeholder 2"/>
+              <p:cNvSpPr>
+                <a:spLocks noGrp="1" noRot="1" noChangeAspect="1" noMove="1" noResize="1" noEditPoints="1" noAdjustHandles="1" noChangeArrowheads="1" noChangeShapeType="1" noTextEdit="1"/>
+              </p:cNvSpPr>
+              <p:nvPr>
+                <p:ph idx="1"/>
+              </p:nvPr>
+            </p:nvSpPr>
+            <p:spPr>
+              <a:blipFill>
+                <a:blip r:embed="rId2"/>
+                <a:stretch>
+                  <a:fillRect l="-1111" t="-1436"/>
+                </a:stretch>
+              </a:blipFill>
+            </p:spPr>
+            <p:txBody>
+              <a:bodyPr/>
+              <a:lstStyle/>
+              <a:p>
+                <a:r>
+                  <a:rPr lang="es-HN">
+                    <a:noFill/>
+                  </a:rPr>
+                  <a:t> </a:t>
+                </a:r>
+              </a:p>
+            </p:txBody>
+          </p:sp>
+        </mc:Fallback>
+      </mc:AlternateContent>
     </p:spTree>
   </p:cSld>
   <p:clrMapOvr>
@@ -4255,22 +4494,6 @@
             <a:pPr marL="0" lvl="0" indent="0">
               <a:buNone/>
             </a:pPr>
-            <a:r>
-              <a:rPr lang="en-US" dirty="0" err="1"/>
-              <a:t>Ejercicios</a:t>
-            </a:r>
-            <a:r>
-              <a:rPr lang="en-US" dirty="0"/>
-              <a:t> </a:t>
-            </a:r>
-            <a:r>
-              <a:rPr lang="en-US" dirty="0" err="1"/>
-              <a:t>en</a:t>
-            </a:r>
-            <a:r>
-              <a:rPr lang="en-US" dirty="0"/>
-              <a:t> R</a:t>
-            </a:r>
             <a:endParaRPr dirty="0"/>
           </a:p>
         </p:txBody>
@@ -4297,6 +4520,36 @@
           </a:p>
         </p:txBody>
       </p:sp>
+      <p:pic>
+        <p:nvPicPr>
+          <p:cNvPr id="5" name="Picture 4">
+            <a:extLst>
+              <a:ext uri="{FF2B5EF4-FFF2-40B4-BE49-F238E27FC236}">
+                <a16:creationId xmlns:a16="http://schemas.microsoft.com/office/drawing/2014/main" id="{2238F015-7209-6B48-C5F7-CFDC19CC34C5}"/>
+              </a:ext>
+            </a:extLst>
+          </p:cNvPr>
+          <p:cNvPicPr>
+            <a:picLocks noChangeAspect="1"/>
+          </p:cNvPicPr>
+          <p:nvPr/>
+        </p:nvPicPr>
+        <p:blipFill>
+          <a:blip r:embed="rId2"/>
+          <a:stretch>
+            <a:fillRect/>
+          </a:stretch>
+        </p:blipFill>
+        <p:spPr>
+          <a:xfrm>
+            <a:off x="1732477" y="634604"/>
+            <a:ext cx="5456343" cy="4026405"/>
+          </a:xfrm>
+          <a:prstGeom prst="rect">
+            <a:avLst/>
+          </a:prstGeom>
+        </p:spPr>
+      </p:pic>
     </p:spTree>
     <p:extLst>
       <p:ext uri="{BB962C8B-B14F-4D97-AF65-F5344CB8AC3E}">
@@ -5571,8 +5824,8 @@
           </a:p>
         </p:txBody>
       </p:sp>
-      <mc:AlternateContent xmlns:mc="http://schemas.openxmlformats.org/markup-compatibility/2006">
-        <mc:Choice xmlns:a14="http://schemas.microsoft.com/office/drawing/2010/main" Requires="a14">
+      <mc:AlternateContent xmlns:mc="http://schemas.openxmlformats.org/markup-compatibility/2006" xmlns:a14="http://schemas.microsoft.com/office/drawing/2010/main">
+        <mc:Choice Requires="a14">
           <p:sp>
             <p:nvSpPr>
               <p:cNvPr id="3" name="Content Placeholder 2"/>
@@ -6100,7 +6353,7 @@
             </p:txBody>
           </p:sp>
         </mc:Choice>
-        <mc:Fallback>
+        <mc:Fallback xmlns="">
           <p:sp>
             <p:nvSpPr>
               <p:cNvPr id="3" name="Content Placeholder 2"/>
@@ -6134,8 +6387,8 @@
           </p:sp>
         </mc:Fallback>
       </mc:AlternateContent>
-      <mc:AlternateContent xmlns:mc="http://schemas.openxmlformats.org/markup-compatibility/2006">
-        <mc:Choice xmlns:a14="http://schemas.microsoft.com/office/drawing/2010/main" Requires="a14">
+      <mc:AlternateContent xmlns:mc="http://schemas.openxmlformats.org/markup-compatibility/2006" xmlns:a14="http://schemas.microsoft.com/office/drawing/2010/main">
+        <mc:Choice Requires="a14">
           <p:sp>
             <p:nvSpPr>
               <p:cNvPr id="4" name="Content Placeholder 3"/>
@@ -6344,7 +6597,7 @@
             </p:txBody>
           </p:sp>
         </mc:Choice>
-        <mc:Fallback>
+        <mc:Fallback xmlns="">
           <p:sp>
             <p:nvSpPr>
               <p:cNvPr id="4" name="Content Placeholder 3"/>
@@ -6497,8 +6750,8 @@
           </a:p>
         </p:txBody>
       </p:sp>
-      <mc:AlternateContent xmlns:mc="http://schemas.openxmlformats.org/markup-compatibility/2006">
-        <mc:Choice xmlns:a14="http://schemas.microsoft.com/office/drawing/2010/main" Requires="a14">
+      <mc:AlternateContent xmlns:mc="http://schemas.openxmlformats.org/markup-compatibility/2006" xmlns:a14="http://schemas.microsoft.com/office/drawing/2010/main">
+        <mc:Choice Requires="a14">
           <p:sp>
             <p:nvSpPr>
               <p:cNvPr id="4" name="Content Placeholder 3"/>
@@ -6612,7 +6865,7 @@
             </p:txBody>
           </p:sp>
         </mc:Choice>
-        <mc:Fallback>
+        <mc:Fallback xmlns="">
           <p:sp>
             <p:nvSpPr>
               <p:cNvPr id="4" name="Content Placeholder 3"/>
